--- a/Fixed Income-35.pptx
+++ b/Fixed Income-35.pptx
@@ -4049,7 +4049,7 @@
           <a:p>
             <a:fld id="{E1548280-F18E-4769-9169-02F5DF14C56C}" type="datetimeFigureOut">
               <a:rPr lang="en-US" smtClean="0"/>
-              <a:t>5/18/2023</a:t>
+              <a:t>5/19/2023</a:t>
             </a:fld>
             <a:endParaRPr lang="en-US"/>
           </a:p>
@@ -13109,7 +13109,7 @@
           <a:p>
             <a:fld id="{1EAE87C0-8280-45FA-80E7-8D3312DCDAEE}" type="datetimeFigureOut">
               <a:rPr lang="en-US" smtClean="0"/>
-              <a:t>5/18/2023</a:t>
+              <a:t>5/19/2023</a:t>
             </a:fld>
             <a:endParaRPr lang="en-US"/>
           </a:p>
@@ -13316,7 +13316,7 @@
           <a:p>
             <a:fld id="{1EAE87C0-8280-45FA-80E7-8D3312DCDAEE}" type="datetimeFigureOut">
               <a:rPr lang="en-US" smtClean="0"/>
-              <a:t>5/18/2023</a:t>
+              <a:t>5/19/2023</a:t>
             </a:fld>
             <a:endParaRPr lang="en-US"/>
           </a:p>
@@ -13496,7 +13496,7 @@
           <a:p>
             <a:fld id="{1EAE87C0-8280-45FA-80E7-8D3312DCDAEE}" type="datetimeFigureOut">
               <a:rPr lang="en-US" smtClean="0"/>
-              <a:t>5/18/2023</a:t>
+              <a:t>5/19/2023</a:t>
             </a:fld>
             <a:endParaRPr lang="en-US"/>
           </a:p>
@@ -13701,7 +13701,7 @@
           <a:p>
             <a:fld id="{1EAE87C0-8280-45FA-80E7-8D3312DCDAEE}" type="datetimeFigureOut">
               <a:rPr lang="en-US" smtClean="0"/>
-              <a:t>5/18/2023</a:t>
+              <a:t>5/19/2023</a:t>
             </a:fld>
             <a:endParaRPr lang="en-US"/>
           </a:p>
@@ -22599,7 +22599,7 @@
           <a:p>
             <a:fld id="{1EAE87C0-8280-45FA-80E7-8D3312DCDAEE}" type="datetimeFigureOut">
               <a:rPr lang="en-US" smtClean="0"/>
-              <a:t>5/18/2023</a:t>
+              <a:t>5/19/2023</a:t>
             </a:fld>
             <a:endParaRPr lang="en-US"/>
           </a:p>
@@ -22873,7 +22873,7 @@
           <a:p>
             <a:fld id="{1EAE87C0-8280-45FA-80E7-8D3312DCDAEE}" type="datetimeFigureOut">
               <a:rPr lang="en-US" smtClean="0"/>
-              <a:t>5/18/2023</a:t>
+              <a:t>5/19/2023</a:t>
             </a:fld>
             <a:endParaRPr lang="en-US"/>
           </a:p>
@@ -23271,7 +23271,7 @@
           <a:p>
             <a:fld id="{1EAE87C0-8280-45FA-80E7-8D3312DCDAEE}" type="datetimeFigureOut">
               <a:rPr lang="en-US" smtClean="0"/>
-              <a:t>5/18/2023</a:t>
+              <a:t>5/19/2023</a:t>
             </a:fld>
             <a:endParaRPr lang="en-US"/>
           </a:p>
@@ -23389,7 +23389,7 @@
           <a:p>
             <a:fld id="{1EAE87C0-8280-45FA-80E7-8D3312DCDAEE}" type="datetimeFigureOut">
               <a:rPr lang="en-US" smtClean="0"/>
-              <a:t>5/18/2023</a:t>
+              <a:t>5/19/2023</a:t>
             </a:fld>
             <a:endParaRPr lang="en-US"/>
           </a:p>
@@ -23484,7 +23484,7 @@
           <a:p>
             <a:fld id="{1EAE87C0-8280-45FA-80E7-8D3312DCDAEE}" type="datetimeFigureOut">
               <a:rPr lang="en-US" smtClean="0"/>
-              <a:t>5/18/2023</a:t>
+              <a:t>5/19/2023</a:t>
             </a:fld>
             <a:endParaRPr lang="en-US"/>
           </a:p>
@@ -23774,7 +23774,7 @@
           <a:p>
             <a:fld id="{1EAE87C0-8280-45FA-80E7-8D3312DCDAEE}" type="datetimeFigureOut">
               <a:rPr lang="en-US" smtClean="0"/>
-              <a:t>5/18/2023</a:t>
+              <a:t>5/19/2023</a:t>
             </a:fld>
             <a:endParaRPr lang="en-US"/>
           </a:p>
@@ -24054,7 +24054,7 @@
           <a:p>
             <a:fld id="{1EAE87C0-8280-45FA-80E7-8D3312DCDAEE}" type="datetimeFigureOut">
               <a:rPr lang="en-US" smtClean="0"/>
-              <a:t>5/18/2023</a:t>
+              <a:t>5/19/2023</a:t>
             </a:fld>
             <a:endParaRPr lang="en-US"/>
           </a:p>
@@ -24304,7 +24304,7 @@
           <a:p>
             <a:fld id="{1EAE87C0-8280-45FA-80E7-8D3312DCDAEE}" type="datetimeFigureOut">
               <a:rPr lang="en-US" smtClean="0"/>
-              <a:t>5/18/2023</a:t>
+              <a:t>5/19/2023</a:t>
             </a:fld>
             <a:endParaRPr lang="en-US"/>
           </a:p>
@@ -25619,7 +25619,7 @@
                   <a:srgbClr val="FF0000"/>
                 </a:solidFill>
               </a:rPr>
-              <a:t>Industry structure</a:t>
+              <a:t>1.Industry structure</a:t>
             </a:r>
           </a:p>
           <a:p>
@@ -25635,7 +25635,7 @@
                   <a:srgbClr val="FF0000"/>
                 </a:solidFill>
               </a:rPr>
-              <a:t>Industry fundamentals</a:t>
+              <a:t>2.Industry fundamentals</a:t>
             </a:r>
           </a:p>
           <a:p>
@@ -25651,7 +25651,7 @@
                   <a:srgbClr val="FF0000"/>
                 </a:solidFill>
               </a:rPr>
-              <a:t>Company fundamentals</a:t>
+              <a:t>3.Company fundamentals</a:t>
             </a:r>
           </a:p>
           <a:p>
@@ -26358,6 +26358,13 @@
           </a:p>
           <a:p>
             <a:r>
+              <a:rPr lang="en-US" sz="2000" dirty="0"/>
+              <a:t>Regardless of the nature of the business, the key point of collateral analysis is to assess the value of the assets relative to the issuer’s level—and seniority ranking—of debt.</a:t>
+            </a:r>
+            <a:endParaRPr lang="en-US" dirty="0"/>
+          </a:p>
+          <a:p>
+            <a:r>
               <a:rPr lang="en-US" dirty="0"/>
               <a:t>Goodwill, on the other hand, is not considered a high-quality asset.</a:t>
             </a:r>
@@ -26374,12 +26381,6 @@
               <a:t>A company whose stock trades below book value may have lower-quality assets than is suggested by the amount reported on the balance sheet.</a:t>
             </a:r>
             <a:endParaRPr lang="en-US" sz="2400" dirty="0"/>
-          </a:p>
-          <a:p>
-            <a:r>
-              <a:rPr lang="en-US" sz="2400" dirty="0"/>
-              <a:t>Regardless of the nature of the business, the key point of collateral analysis is to assess the value of the assets relative to the issuer’s level—and seniority ranking—of debt.</a:t>
-            </a:r>
           </a:p>
           <a:p>
             <a:endParaRPr lang="en-US" dirty="0"/>

--- a/Fixed Income-35.pptx
+++ b/Fixed Income-35.pptx
@@ -4049,7 +4049,7 @@
           <a:p>
             <a:fld id="{E1548280-F18E-4769-9169-02F5DF14C56C}" type="datetimeFigureOut">
               <a:rPr lang="en-US" smtClean="0"/>
-              <a:t>5/19/2023</a:t>
+              <a:t>5/22/2023</a:t>
             </a:fld>
             <a:endParaRPr lang="en-US"/>
           </a:p>
@@ -13109,7 +13109,7 @@
           <a:p>
             <a:fld id="{1EAE87C0-8280-45FA-80E7-8D3312DCDAEE}" type="datetimeFigureOut">
               <a:rPr lang="en-US" smtClean="0"/>
-              <a:t>5/19/2023</a:t>
+              <a:t>5/22/2023</a:t>
             </a:fld>
             <a:endParaRPr lang="en-US"/>
           </a:p>
@@ -13316,7 +13316,7 @@
           <a:p>
             <a:fld id="{1EAE87C0-8280-45FA-80E7-8D3312DCDAEE}" type="datetimeFigureOut">
               <a:rPr lang="en-US" smtClean="0"/>
-              <a:t>5/19/2023</a:t>
+              <a:t>5/22/2023</a:t>
             </a:fld>
             <a:endParaRPr lang="en-US"/>
           </a:p>
@@ -13496,7 +13496,7 @@
           <a:p>
             <a:fld id="{1EAE87C0-8280-45FA-80E7-8D3312DCDAEE}" type="datetimeFigureOut">
               <a:rPr lang="en-US" smtClean="0"/>
-              <a:t>5/19/2023</a:t>
+              <a:t>5/22/2023</a:t>
             </a:fld>
             <a:endParaRPr lang="en-US"/>
           </a:p>
@@ -13701,7 +13701,7 @@
           <a:p>
             <a:fld id="{1EAE87C0-8280-45FA-80E7-8D3312DCDAEE}" type="datetimeFigureOut">
               <a:rPr lang="en-US" smtClean="0"/>
-              <a:t>5/19/2023</a:t>
+              <a:t>5/22/2023</a:t>
             </a:fld>
             <a:endParaRPr lang="en-US"/>
           </a:p>
@@ -22599,7 +22599,7 @@
           <a:p>
             <a:fld id="{1EAE87C0-8280-45FA-80E7-8D3312DCDAEE}" type="datetimeFigureOut">
               <a:rPr lang="en-US" smtClean="0"/>
-              <a:t>5/19/2023</a:t>
+              <a:t>5/22/2023</a:t>
             </a:fld>
             <a:endParaRPr lang="en-US"/>
           </a:p>
@@ -22873,7 +22873,7 @@
           <a:p>
             <a:fld id="{1EAE87C0-8280-45FA-80E7-8D3312DCDAEE}" type="datetimeFigureOut">
               <a:rPr lang="en-US" smtClean="0"/>
-              <a:t>5/19/2023</a:t>
+              <a:t>5/22/2023</a:t>
             </a:fld>
             <a:endParaRPr lang="en-US"/>
           </a:p>
@@ -23271,7 +23271,7 @@
           <a:p>
             <a:fld id="{1EAE87C0-8280-45FA-80E7-8D3312DCDAEE}" type="datetimeFigureOut">
               <a:rPr lang="en-US" smtClean="0"/>
-              <a:t>5/19/2023</a:t>
+              <a:t>5/22/2023</a:t>
             </a:fld>
             <a:endParaRPr lang="en-US"/>
           </a:p>
@@ -23389,7 +23389,7 @@
           <a:p>
             <a:fld id="{1EAE87C0-8280-45FA-80E7-8D3312DCDAEE}" type="datetimeFigureOut">
               <a:rPr lang="en-US" smtClean="0"/>
-              <a:t>5/19/2023</a:t>
+              <a:t>5/22/2023</a:t>
             </a:fld>
             <a:endParaRPr lang="en-US"/>
           </a:p>
@@ -23484,7 +23484,7 @@
           <a:p>
             <a:fld id="{1EAE87C0-8280-45FA-80E7-8D3312DCDAEE}" type="datetimeFigureOut">
               <a:rPr lang="en-US" smtClean="0"/>
-              <a:t>5/19/2023</a:t>
+              <a:t>5/22/2023</a:t>
             </a:fld>
             <a:endParaRPr lang="en-US"/>
           </a:p>
@@ -23774,7 +23774,7 @@
           <a:p>
             <a:fld id="{1EAE87C0-8280-45FA-80E7-8D3312DCDAEE}" type="datetimeFigureOut">
               <a:rPr lang="en-US" smtClean="0"/>
-              <a:t>5/19/2023</a:t>
+              <a:t>5/22/2023</a:t>
             </a:fld>
             <a:endParaRPr lang="en-US"/>
           </a:p>
@@ -24054,7 +24054,7 @@
           <a:p>
             <a:fld id="{1EAE87C0-8280-45FA-80E7-8D3312DCDAEE}" type="datetimeFigureOut">
               <a:rPr lang="en-US" smtClean="0"/>
-              <a:t>5/19/2023</a:t>
+              <a:t>5/22/2023</a:t>
             </a:fld>
             <a:endParaRPr lang="en-US"/>
           </a:p>
@@ -24304,7 +24304,7 @@
           <a:p>
             <a:fld id="{1EAE87C0-8280-45FA-80E7-8D3312DCDAEE}" type="datetimeFigureOut">
               <a:rPr lang="en-US" smtClean="0"/>
-              <a:t>5/19/2023</a:t>
+              <a:t>5/22/2023</a:t>
             </a:fld>
             <a:endParaRPr lang="en-US"/>
           </a:p>
@@ -24973,7 +24973,13 @@
           <a:p>
             <a:r>
               <a:rPr lang="en-US" dirty="0"/>
-              <a:t>Covenants might also require a company to redeem debt in the event of the company being acquired, the change of control covenant, or to keep the ratio of debt to EBITDA below some prescribed amount. The limitations might include a cap on the amount of cash that can be paid out to shareholders relative to earnings, or perhaps on the amount of additional secured debt that can be issued.</a:t>
+              <a:t>Covenants might also require a company to redeem debt in the event of the company being acquired, the change of control covenant, or to keep the ratio of debt to EBITDA below some prescribed amount. </a:t>
+            </a:r>
+          </a:p>
+          <a:p>
+            <a:r>
+              <a:rPr lang="en-US" dirty="0"/>
+              <a:t>The limitations might include a cap on the amount of cash that can be paid out to shareholders relative to earnings, or perhaps on the amount of additional secured debt that can be issued.</a:t>
             </a:r>
           </a:p>
         </p:txBody>
@@ -25333,7 +25339,7 @@
         <p:spPr/>
         <p:txBody>
           <a:bodyPr>
-            <a:normAutofit fontScale="92500" lnSpcReduction="10000"/>
+            <a:normAutofit/>
           </a:bodyPr>
           <a:lstStyle/>
           <a:p>
@@ -25344,18 +25350,6 @@
                 </a:solidFill>
               </a:rPr>
               <a:t>Credit Analysis vs. Equity Analysis</a:t>
-            </a:r>
-          </a:p>
-          <a:p>
-            <a:r>
-              <a:rPr lang="en-US" dirty="0"/>
-              <a:t>In summary, in exchange for a prior claim on cash flow and assets, bondholders do not share in the growth in value of a company (except to the extent that its creditworthiness improves) but have downside risk in the event of default.</a:t>
-            </a:r>
-          </a:p>
-          <a:p>
-            <a:r>
-              <a:rPr lang="en-US" dirty="0"/>
-              <a:t>In contrast, shareholders have theoretically unlimited upside opportunity, but in the event of default, their investment is typically wiped out before the bondholders suffer a loss.</a:t>
             </a:r>
           </a:p>
           <a:p>
@@ -25481,6 +25475,8 @@
               <a:rPr lang="en-US" dirty="0"/>
               <a:t> refers to the ability of the borrower to make its debt payments on time. </a:t>
             </a:r>
+          </a:p>
+          <a:p>
             <a:r>
               <a:rPr lang="en-US" dirty="0">
                 <a:solidFill>
@@ -25493,6 +25489,8 @@
               <a:rPr lang="en-US" dirty="0"/>
               <a:t> refers to the quality and value of the assets supporting the issuer’s indebtedness. </a:t>
             </a:r>
+          </a:p>
+          <a:p>
             <a:r>
               <a:rPr lang="en-US" dirty="0">
                 <a:solidFill>
@@ -25505,6 +25503,8 @@
               <a:rPr lang="en-US" dirty="0"/>
               <a:t> are the terms and conditions of lending agreements that the issuer must comply with. </a:t>
             </a:r>
+          </a:p>
+          <a:p>
             <a:r>
               <a:rPr lang="en-US" dirty="0">
                 <a:solidFill>
@@ -25957,9 +25957,8 @@
             </a:r>
           </a:p>
           <a:p>
-            <a:pPr>
-              <a:buFont typeface="Wingdings" panose="05000000000000000000" pitchFamily="2" charset="2"/>
-              <a:buChar char="§"/>
+            <a:pPr marL="0" indent="0">
+              <a:buNone/>
             </a:pPr>
             <a:r>
               <a:rPr lang="en-US" dirty="0"/>
@@ -26355,13 +26354,6 @@
               </a:rPr>
               <a:t>Collateral</a:t>
             </a:r>
-          </a:p>
-          <a:p>
-            <a:r>
-              <a:rPr lang="en-US" sz="2000" dirty="0"/>
-              <a:t>Regardless of the nature of the business, the key point of collateral analysis is to assess the value of the assets relative to the issuer’s level—and seniority ranking—of debt.</a:t>
-            </a:r>
-            <a:endParaRPr lang="en-US" dirty="0"/>
           </a:p>
           <a:p>
             <a:r>
